--- a/images/poster?/Goallective.pptx
+++ b/images/poster?/Goallective.pptx
@@ -288,7 +288,7 @@
           <a:p>
             <a:fld id="{170A8C5F-9144-D64D-AF7D-E3D99CD74714}" type="datetimeFigureOut">
               <a:rPr lang="en-US" smtClean="0"/>
-              <a:t>5/1/16</a:t>
+              <a:t>5/2/16</a:t>
             </a:fld>
             <a:endParaRPr lang="en-US" dirty="0"/>
           </a:p>
@@ -458,7 +458,7 @@
           <a:p>
             <a:fld id="{170A8C5F-9144-D64D-AF7D-E3D99CD74714}" type="datetimeFigureOut">
               <a:rPr lang="en-US" smtClean="0"/>
-              <a:t>5/1/16</a:t>
+              <a:t>5/2/16</a:t>
             </a:fld>
             <a:endParaRPr lang="en-US" dirty="0"/>
           </a:p>
@@ -638,7 +638,7 @@
           <a:p>
             <a:fld id="{170A8C5F-9144-D64D-AF7D-E3D99CD74714}" type="datetimeFigureOut">
               <a:rPr lang="en-US" smtClean="0"/>
-              <a:t>5/1/16</a:t>
+              <a:t>5/2/16</a:t>
             </a:fld>
             <a:endParaRPr lang="en-US" dirty="0"/>
           </a:p>
@@ -808,7 +808,7 @@
           <a:p>
             <a:fld id="{170A8C5F-9144-D64D-AF7D-E3D99CD74714}" type="datetimeFigureOut">
               <a:rPr lang="en-US" smtClean="0"/>
-              <a:t>5/1/16</a:t>
+              <a:t>5/2/16</a:t>
             </a:fld>
             <a:endParaRPr lang="en-US" dirty="0"/>
           </a:p>
@@ -1054,7 +1054,7 @@
           <a:p>
             <a:fld id="{170A8C5F-9144-D64D-AF7D-E3D99CD74714}" type="datetimeFigureOut">
               <a:rPr lang="en-US" smtClean="0"/>
-              <a:t>5/1/16</a:t>
+              <a:t>5/2/16</a:t>
             </a:fld>
             <a:endParaRPr lang="en-US" dirty="0"/>
           </a:p>
@@ -1342,7 +1342,7 @@
           <a:p>
             <a:fld id="{170A8C5F-9144-D64D-AF7D-E3D99CD74714}" type="datetimeFigureOut">
               <a:rPr lang="en-US" smtClean="0"/>
-              <a:t>5/1/16</a:t>
+              <a:t>5/2/16</a:t>
             </a:fld>
             <a:endParaRPr lang="en-US" dirty="0"/>
           </a:p>
@@ -1769,7 +1769,7 @@
           <a:p>
             <a:fld id="{170A8C5F-9144-D64D-AF7D-E3D99CD74714}" type="datetimeFigureOut">
               <a:rPr lang="en-US" smtClean="0"/>
-              <a:t>5/1/16</a:t>
+              <a:t>5/2/16</a:t>
             </a:fld>
             <a:endParaRPr lang="en-US" dirty="0"/>
           </a:p>
@@ -1887,7 +1887,7 @@
           <a:p>
             <a:fld id="{170A8C5F-9144-D64D-AF7D-E3D99CD74714}" type="datetimeFigureOut">
               <a:rPr lang="en-US" smtClean="0"/>
-              <a:t>5/1/16</a:t>
+              <a:t>5/2/16</a:t>
             </a:fld>
             <a:endParaRPr lang="en-US" dirty="0"/>
           </a:p>
@@ -1982,7 +1982,7 @@
           <a:p>
             <a:fld id="{170A8C5F-9144-D64D-AF7D-E3D99CD74714}" type="datetimeFigureOut">
               <a:rPr lang="en-US" smtClean="0"/>
-              <a:t>5/1/16</a:t>
+              <a:t>5/2/16</a:t>
             </a:fld>
             <a:endParaRPr lang="en-US" dirty="0"/>
           </a:p>
@@ -2259,7 +2259,7 @@
           <a:p>
             <a:fld id="{170A8C5F-9144-D64D-AF7D-E3D99CD74714}" type="datetimeFigureOut">
               <a:rPr lang="en-US" smtClean="0"/>
-              <a:t>5/1/16</a:t>
+              <a:t>5/2/16</a:t>
             </a:fld>
             <a:endParaRPr lang="en-US" dirty="0"/>
           </a:p>
@@ -2512,7 +2512,7 @@
           <a:p>
             <a:fld id="{170A8C5F-9144-D64D-AF7D-E3D99CD74714}" type="datetimeFigureOut">
               <a:rPr lang="en-US" smtClean="0"/>
-              <a:t>5/1/16</a:t>
+              <a:t>5/2/16</a:t>
             </a:fld>
             <a:endParaRPr lang="en-US" dirty="0"/>
           </a:p>
@@ -2725,7 +2725,7 @@
           <a:p>
             <a:fld id="{170A8C5F-9144-D64D-AF7D-E3D99CD74714}" type="datetimeFigureOut">
               <a:rPr lang="en-US" smtClean="0"/>
-              <a:t>5/1/16</a:t>
+              <a:t>5/2/16</a:t>
             </a:fld>
             <a:endParaRPr lang="en-US" dirty="0"/>
           </a:p>
@@ -3139,6 +3139,35 @@
       </p:sp>
       <p:pic>
         <p:nvPicPr>
+          <p:cNvPr id="3" name="Picture 2" descr="feed1.jpg"/>
+          <p:cNvPicPr>
+            <a:picLocks noChangeAspect="1"/>
+          </p:cNvPicPr>
+          <p:nvPr/>
+        </p:nvPicPr>
+        <p:blipFill rotWithShape="1">
+          <a:blip r:embed="rId2">
+            <a:extLst>
+              <a:ext uri="{28A0092B-C50C-407E-A947-70E740481C1C}">
+                <a14:useLocalDpi xmlns:a14="http://schemas.microsoft.com/office/drawing/2010/main" val="0"/>
+              </a:ext>
+            </a:extLst>
+          </a:blip>
+          <a:srcRect b="29113"/>
+          <a:stretch/>
+        </p:blipFill>
+        <p:spPr>
+          <a:xfrm>
+            <a:off x="2544410" y="11469517"/>
+            <a:ext cx="8016243" cy="15784683"/>
+          </a:xfrm>
+          <a:prstGeom prst="rect">
+            <a:avLst/>
+          </a:prstGeom>
+        </p:spPr>
+      </p:pic>
+      <p:pic>
+        <p:nvPicPr>
           <p:cNvPr id="5" name="Picture 4"/>
           <p:cNvPicPr>
             <a:picLocks noChangeAspect="1"/>
@@ -3146,7 +3175,7 @@
           <p:nvPr/>
         </p:nvPicPr>
         <p:blipFill>
-          <a:blip r:embed="rId2"/>
+          <a:blip r:embed="rId3"/>
           <a:stretch>
             <a:fillRect/>
           </a:stretch>
@@ -3161,36 +3190,6 @@
           </a:prstGeom>
         </p:spPr>
       </p:pic>
-      <p:pic>
-        <p:nvPicPr>
-          <p:cNvPr id="7" name="Picture 6" descr="Screen Shot 2016-04-27 at 9.59.01 PM.png"/>
-          <p:cNvPicPr>
-            <a:picLocks noChangeAspect="1"/>
-          </p:cNvPicPr>
-          <p:nvPr/>
-        </p:nvPicPr>
-        <p:blipFill>
-          <a:blip r:embed="rId3">
-            <a:extLst>
-              <a:ext uri="{28A0092B-C50C-407E-A947-70E740481C1C}">
-                <a14:useLocalDpi xmlns:a14="http://schemas.microsoft.com/office/drawing/2010/main" val="0"/>
-              </a:ext>
-            </a:extLst>
-          </a:blip>
-          <a:stretch>
-            <a:fillRect/>
-          </a:stretch>
-        </p:blipFill>
-        <p:spPr>
-          <a:xfrm>
-            <a:off x="2368497" y="11234239"/>
-            <a:ext cx="8431800" cy="14715858"/>
-          </a:xfrm>
-          <a:prstGeom prst="rect">
-            <a:avLst/>
-          </a:prstGeom>
-        </p:spPr>
-      </p:pic>
       <p:sp>
         <p:nvSpPr>
           <p:cNvPr id="8" name="TextBox 7"/>
@@ -3283,14 +3282,7 @@
                 <a:latin typeface="Helvetica Light"/>
                 <a:cs typeface="Helvetica Light"/>
               </a:rPr>
-              <a:t>You </a:t>
-            </a:r>
-            <a:r>
-              <a:rPr lang="en-US" sz="6600" i="1" dirty="0" smtClean="0">
-                <a:latin typeface="Helvetica Light"/>
-                <a:cs typeface="Helvetica Light"/>
-              </a:rPr>
-              <a:t>moved to a new city and felt lonely?</a:t>
+              <a:t>You moved to a new city and felt lonely?</a:t>
             </a:r>
           </a:p>
           <a:p>
@@ -3422,30 +3414,16 @@
                 <a:latin typeface="Helvetica Light"/>
                 <a:cs typeface="Helvetica Light"/>
               </a:rPr>
-              <a:t>nterviewed </a:t>
-            </a:r>
+              <a:t>nterviewed our target users</a:t>
+            </a:r>
+          </a:p>
+          <a:p>
             <a:r>
               <a:rPr lang="en-US" sz="5500" i="1" dirty="0" smtClean="0">
                 <a:latin typeface="Helvetica Light"/>
                 <a:cs typeface="Helvetica Light"/>
               </a:rPr>
-              <a:t>our target users</a:t>
-            </a:r>
-          </a:p>
-          <a:p>
-            <a:r>
-              <a:rPr lang="en-US" sz="5500" i="1" dirty="0" smtClean="0">
-                <a:latin typeface="Helvetica Light"/>
-                <a:cs typeface="Helvetica Light"/>
-              </a:rPr>
-              <a:t>    to </a:t>
-            </a:r>
-            <a:r>
-              <a:rPr lang="en-US" sz="5500" i="1" dirty="0" smtClean="0">
-                <a:latin typeface="Helvetica Light"/>
-                <a:cs typeface="Helvetica Light"/>
-              </a:rPr>
-              <a:t>discover their needs</a:t>
+              <a:t>    to discover their needs</a:t>
             </a:r>
             <a:endParaRPr lang="en-US" sz="5500" i="1" dirty="0">
               <a:latin typeface="Helvetica Light"/>
@@ -3496,14 +3474,7 @@
                 <a:latin typeface="Helvetica Light"/>
                 <a:cs typeface="Helvetica Light"/>
               </a:rPr>
-              <a:t>eveloped </a:t>
-            </a:r>
-            <a:r>
-              <a:rPr lang="en-US" sz="5500" i="1" dirty="0" smtClean="0">
-                <a:latin typeface="Helvetica Light"/>
-                <a:cs typeface="Helvetica Light"/>
-              </a:rPr>
-              <a:t>multiple prototypes</a:t>
+              <a:t>eveloped multiple prototypes</a:t>
             </a:r>
             <a:endParaRPr lang="en-US" sz="5500" i="1" dirty="0">
               <a:latin typeface="Helvetica Light"/>
@@ -3668,35 +3639,7 @@
                 <a:latin typeface="Helvetica Light"/>
                 <a:cs typeface="Helvetica Light"/>
               </a:rPr>
-              <a:t>efined </a:t>
-            </a:r>
-            <a:r>
-              <a:rPr lang="en-US" sz="5500" i="1" dirty="0" smtClean="0">
-                <a:latin typeface="Helvetica Light"/>
-                <a:cs typeface="Helvetica Light"/>
-              </a:rPr>
-              <a:t>our product based </a:t>
-            </a:r>
-            <a:r>
-              <a:rPr lang="en-US" sz="5500" i="1" dirty="0" smtClean="0">
-                <a:latin typeface="Helvetica Light"/>
-                <a:cs typeface="Helvetica Light"/>
-              </a:rPr>
-              <a:t>on feedback </a:t>
-            </a:r>
-            <a:r>
-              <a:rPr lang="en-US" sz="5500" i="1" dirty="0" smtClean="0">
-                <a:latin typeface="Helvetica Light"/>
-                <a:cs typeface="Helvetica Light"/>
-              </a:rPr>
-              <a:t>from potential </a:t>
-            </a:r>
-            <a:r>
-              <a:rPr lang="en-US" sz="5500" i="1" dirty="0" smtClean="0">
-                <a:latin typeface="Helvetica Light"/>
-                <a:cs typeface="Helvetica Light"/>
-              </a:rPr>
-              <a:t>users</a:t>
+              <a:t>efined our product based on feedback from potential users</a:t>
             </a:r>
             <a:endParaRPr lang="en-US" sz="5500" i="1" dirty="0">
               <a:latin typeface="Helvetica Light"/>

--- a/images/poster?/Goallective.pptx
+++ b/images/poster?/Goallective.pptx
@@ -4385,6 +4385,45 @@
           </a:p>
         </p:txBody>
       </p:sp>
+      <p:pic>
+        <p:nvPicPr>
+          <p:cNvPr id="6" name="Picture 5" descr="screenshot1.png"/>
+          <p:cNvPicPr>
+            <a:picLocks noChangeAspect="1"/>
+          </p:cNvPicPr>
+          <p:nvPr/>
+        </p:nvPicPr>
+        <p:blipFill rotWithShape="1">
+          <a:blip r:embed="rId9">
+            <a:extLst>
+              <a:ext uri="{28A0092B-C50C-407E-A947-70E740481C1C}">
+                <a14:useLocalDpi xmlns:a14="http://schemas.microsoft.com/office/drawing/2010/main" val="0"/>
+              </a:ext>
+            </a:extLst>
+          </a:blip>
+          <a:srcRect b="6441"/>
+          <a:stretch/>
+        </p:blipFill>
+        <p:spPr>
+          <a:xfrm>
+            <a:off x="24774991" y="32913412"/>
+            <a:ext cx="4099676" cy="7264992"/>
+          </a:xfrm>
+          <a:prstGeom prst="rect">
+            <a:avLst/>
+          </a:prstGeom>
+          <a:ln>
+            <a:noFill/>
+          </a:ln>
+          <a:effectLst>
+            <a:outerShdw blurRad="469900" dist="50800" dir="2700000" sx="102000" sy="102000" algn="tl" rotWithShape="0">
+              <a:srgbClr val="000000">
+                <a:alpha val="20000"/>
+              </a:srgbClr>
+            </a:outerShdw>
+          </a:effectLst>
+        </p:spPr>
+      </p:pic>
     </p:spTree>
     <p:extLst>
       <p:ext uri="{BB962C8B-B14F-4D97-AF65-F5344CB8AC3E}">
